--- a/Slides/8_Tipo_Dato_String.pptx
+++ b/Slides/8_Tipo_Dato_String.pptx
@@ -19,9 +19,9 @@
     <p:sldId id="348" r:id="rId10"/>
     <p:sldId id="352" r:id="rId11"/>
     <p:sldId id="349" r:id="rId12"/>
-    <p:sldId id="351" r:id="rId13"/>
-    <p:sldId id="353" r:id="rId14"/>
-    <p:sldId id="354" r:id="rId15"/>
+    <p:sldId id="353" r:id="rId13"/>
+    <p:sldId id="354" r:id="rId14"/>
+    <p:sldId id="351" r:id="rId15"/>
     <p:sldId id="343" r:id="rId16"/>
   </p:sldIdLst>
   <p:sldSz cx="13817600" cy="7772400"/>
@@ -138,14 +138,6 @@
     </p:ext>
   </p:extLst>
 </p:presentation>
-</file>
-
-<file path=ppt/revisionInfo.xml><?xml version="1.0" encoding="utf-8"?>
-<p1510:revInfo xmlns:a="http://schemas.openxmlformats.org/drawingml/2006/main" xmlns:r="http://schemas.openxmlformats.org/officeDocument/2006/relationships" xmlns:p1510="http://schemas.microsoft.com/office/powerpoint/2015/10/main">
-  <p1510:revLst>
-    <p1510:client id="{E837A8DF-1FF6-AF4A-DB0C-332608DB8ADA}" v="3" dt="2023-06-21T03:59:23.491"/>
-  </p1510:revLst>
-</p1510:revInfo>
 </file>
 
 <file path=ppt/changesInfos/changesInfo1.xml><?xml version="1.0" encoding="utf-8"?>
@@ -299,6 +291,37 @@
       </pc:sldChg>
     </pc:docChg>
   </pc:docChgLst>
+  <pc:docChgLst>
+    <pc:chgData name="Cesar Augusto Lopez Gallego" userId="0dfa9112-9251-4882-b472-cf2dfcee09d1" providerId="ADAL" clId="{1C323E9C-4CB8-4A52-821F-938599F03D33}"/>
+    <pc:docChg chg="modSld sldOrd">
+      <pc:chgData name="Cesar Augusto Lopez Gallego" userId="0dfa9112-9251-4882-b472-cf2dfcee09d1" providerId="ADAL" clId="{1C323E9C-4CB8-4A52-821F-938599F03D33}" dt="2024-09-17T14:43:52.871" v="2"/>
+      <pc:docMkLst>
+        <pc:docMk/>
+      </pc:docMkLst>
+      <pc:sldChg chg="modSp mod">
+        <pc:chgData name="Cesar Augusto Lopez Gallego" userId="0dfa9112-9251-4882-b472-cf2dfcee09d1" providerId="ADAL" clId="{1C323E9C-4CB8-4A52-821F-938599F03D33}" dt="2024-09-17T14:37:55.056" v="0" actId="20577"/>
+        <pc:sldMkLst>
+          <pc:docMk/>
+          <pc:sldMk cId="2825917325" sldId="293"/>
+        </pc:sldMkLst>
+        <pc:spChg chg="mod">
+          <ac:chgData name="Cesar Augusto Lopez Gallego" userId="0dfa9112-9251-4882-b472-cf2dfcee09d1" providerId="ADAL" clId="{1C323E9C-4CB8-4A52-821F-938599F03D33}" dt="2024-09-17T14:37:55.056" v="0" actId="20577"/>
+          <ac:spMkLst>
+            <pc:docMk/>
+            <pc:sldMk cId="2825917325" sldId="293"/>
+            <ac:spMk id="6" creationId="{00000000-0000-0000-0000-000000000000}"/>
+          </ac:spMkLst>
+        </pc:spChg>
+      </pc:sldChg>
+      <pc:sldChg chg="ord">
+        <pc:chgData name="Cesar Augusto Lopez Gallego" userId="0dfa9112-9251-4882-b472-cf2dfcee09d1" providerId="ADAL" clId="{1C323E9C-4CB8-4A52-821F-938599F03D33}" dt="2024-09-17T14:43:52.871" v="2"/>
+        <pc:sldMkLst>
+          <pc:docMk/>
+          <pc:sldMk cId="2123160133" sldId="351"/>
+        </pc:sldMkLst>
+      </pc:sldChg>
+    </pc:docChg>
+  </pc:docChgLst>
 </pc:chgInfo>
 </file>
 
@@ -384,7 +407,7 @@
           <a:p>
             <a:fld id="{BDCF4082-7146-476A-B590-4447682ABE83}" type="datetimeFigureOut">
               <a:rPr lang="es-CO" smtClean="0"/>
-              <a:t>20/06/2023</a:t>
+              <a:t>17/09/2024</a:t>
             </a:fld>
             <a:endParaRPr lang="es-CO"/>
           </a:p>
@@ -543,7 +566,7 @@
           <a:p>
             <a:fld id="{7B36A931-19EC-45C7-8535-923E2C626D9D}" type="slidenum">
               <a:rPr lang="es-CO" smtClean="0"/>
-              <a:t>‹#›</a:t>
+              <a:t>‹Nº›</a:t>
             </a:fld>
             <a:endParaRPr lang="es-CO"/>
           </a:p>
@@ -783,7 +806,7 @@
           <a:p>
             <a:fld id="{6B86245D-015E-46AE-96CC-32E8A5E9A1DF}" type="datetimeFigureOut">
               <a:rPr lang="es-CO" smtClean="0"/>
-              <a:t>20/06/2023</a:t>
+              <a:t>17/09/2024</a:t>
             </a:fld>
             <a:endParaRPr lang="es-CO"/>
           </a:p>
@@ -825,7 +848,7 @@
           <a:p>
             <a:fld id="{31C52531-C0F7-4A3B-9293-860134404F61}" type="slidenum">
               <a:rPr lang="es-CO" smtClean="0"/>
-              <a:t>‹#›</a:t>
+              <a:t>‹Nº›</a:t>
             </a:fld>
             <a:endParaRPr lang="es-CO"/>
           </a:p>
@@ -953,7 +976,7 @@
           <a:p>
             <a:fld id="{6B86245D-015E-46AE-96CC-32E8A5E9A1DF}" type="datetimeFigureOut">
               <a:rPr lang="es-CO" smtClean="0"/>
-              <a:t>20/06/2023</a:t>
+              <a:t>17/09/2024</a:t>
             </a:fld>
             <a:endParaRPr lang="es-CO"/>
           </a:p>
@@ -995,7 +1018,7 @@
           <a:p>
             <a:fld id="{31C52531-C0F7-4A3B-9293-860134404F61}" type="slidenum">
               <a:rPr lang="es-CO" smtClean="0"/>
-              <a:t>‹#›</a:t>
+              <a:t>‹Nº›</a:t>
             </a:fld>
             <a:endParaRPr lang="es-CO"/>
           </a:p>
@@ -1133,7 +1156,7 @@
           <a:p>
             <a:fld id="{6B86245D-015E-46AE-96CC-32E8A5E9A1DF}" type="datetimeFigureOut">
               <a:rPr lang="es-CO" smtClean="0"/>
-              <a:t>20/06/2023</a:t>
+              <a:t>17/09/2024</a:t>
             </a:fld>
             <a:endParaRPr lang="es-CO"/>
           </a:p>
@@ -1175,7 +1198,7 @@
           <a:p>
             <a:fld id="{31C52531-C0F7-4A3B-9293-860134404F61}" type="slidenum">
               <a:rPr lang="es-CO" smtClean="0"/>
-              <a:t>‹#›</a:t>
+              <a:t>‹Nº›</a:t>
             </a:fld>
             <a:endParaRPr lang="es-CO"/>
           </a:p>
@@ -1332,7 +1355,7 @@
                 </a:solidFill>
               </a:rPr>
               <a:pPr/>
-              <a:t>20/06/2023</a:t>
+              <a:t>17/09/2024</a:t>
             </a:fld>
             <a:endParaRPr lang="es-CO">
               <a:solidFill>
@@ -1393,7 +1416,7 @@
                 </a:solidFill>
               </a:rPr>
               <a:pPr/>
-              <a:t>‹#›</a:t>
+              <a:t>‹Nº›</a:t>
             </a:fld>
             <a:endParaRPr lang="es-CO">
               <a:solidFill>
@@ -1534,7 +1557,7 @@
                 </a:solidFill>
               </a:rPr>
               <a:pPr/>
-              <a:t>20/06/2023</a:t>
+              <a:t>17/09/2024</a:t>
             </a:fld>
             <a:endParaRPr lang="es-CO">
               <a:solidFill>
@@ -1595,7 +1618,7 @@
                 </a:solidFill>
               </a:rPr>
               <a:pPr/>
-              <a:t>‹#›</a:t>
+              <a:t>‹Nº›</a:t>
             </a:fld>
             <a:endParaRPr lang="es-CO">
               <a:solidFill>
@@ -1812,7 +1835,7 @@
                 </a:solidFill>
               </a:rPr>
               <a:pPr/>
-              <a:t>20/06/2023</a:t>
+              <a:t>17/09/2024</a:t>
             </a:fld>
             <a:endParaRPr lang="es-CO">
               <a:solidFill>
@@ -1873,7 +1896,7 @@
                 </a:solidFill>
               </a:rPr>
               <a:pPr/>
-              <a:t>‹#›</a:t>
+              <a:t>‹Nº›</a:t>
             </a:fld>
             <a:endParaRPr lang="es-CO">
               <a:solidFill>
@@ -2076,7 +2099,7 @@
                 </a:solidFill>
               </a:rPr>
               <a:pPr/>
-              <a:t>20/06/2023</a:t>
+              <a:t>17/09/2024</a:t>
             </a:fld>
             <a:endParaRPr lang="es-CO">
               <a:solidFill>
@@ -2137,7 +2160,7 @@
                 </a:solidFill>
               </a:rPr>
               <a:pPr/>
-              <a:t>‹#›</a:t>
+              <a:t>‹Nº›</a:t>
             </a:fld>
             <a:endParaRPr lang="es-CO">
               <a:solidFill>
@@ -2475,7 +2498,7 @@
                 </a:solidFill>
               </a:rPr>
               <a:pPr/>
-              <a:t>20/06/2023</a:t>
+              <a:t>17/09/2024</a:t>
             </a:fld>
             <a:endParaRPr lang="es-CO">
               <a:solidFill>
@@ -2536,7 +2559,7 @@
                 </a:solidFill>
               </a:rPr>
               <a:pPr/>
-              <a:t>‹#›</a:t>
+              <a:t>‹Nº›</a:t>
             </a:fld>
             <a:endParaRPr lang="es-CO">
               <a:solidFill>
@@ -2625,7 +2648,7 @@
                 </a:solidFill>
               </a:rPr>
               <a:pPr/>
-              <a:t>20/06/2023</a:t>
+              <a:t>17/09/2024</a:t>
             </a:fld>
             <a:endParaRPr lang="es-CO">
               <a:solidFill>
@@ -2686,7 +2709,7 @@
                 </a:solidFill>
               </a:rPr>
               <a:pPr/>
-              <a:t>‹#›</a:t>
+              <a:t>‹Nº›</a:t>
             </a:fld>
             <a:endParaRPr lang="es-CO">
               <a:solidFill>
@@ -2752,7 +2775,7 @@
                 </a:solidFill>
               </a:rPr>
               <a:pPr/>
-              <a:t>20/06/2023</a:t>
+              <a:t>17/09/2024</a:t>
             </a:fld>
             <a:endParaRPr lang="es-CO">
               <a:solidFill>
@@ -2813,7 +2836,7 @@
                 </a:solidFill>
               </a:rPr>
               <a:pPr/>
-              <a:t>‹#›</a:t>
+              <a:t>‹Nº›</a:t>
             </a:fld>
             <a:endParaRPr lang="es-CO">
               <a:solidFill>
@@ -3061,7 +3084,7 @@
                 </a:solidFill>
               </a:rPr>
               <a:pPr/>
-              <a:t>20/06/2023</a:t>
+              <a:t>17/09/2024</a:t>
             </a:fld>
             <a:endParaRPr lang="es-CO">
               <a:solidFill>
@@ -3122,7 +3145,7 @@
                 </a:solidFill>
               </a:rPr>
               <a:pPr/>
-              <a:t>‹#›</a:t>
+              <a:t>‹Nº›</a:t>
             </a:fld>
             <a:endParaRPr lang="es-CO">
               <a:solidFill>
@@ -3256,7 +3279,7 @@
           <a:p>
             <a:fld id="{6B86245D-015E-46AE-96CC-32E8A5E9A1DF}" type="datetimeFigureOut">
               <a:rPr lang="es-CO" smtClean="0"/>
-              <a:t>20/06/2023</a:t>
+              <a:t>17/09/2024</a:t>
             </a:fld>
             <a:endParaRPr lang="es-CO"/>
           </a:p>
@@ -3298,7 +3321,7 @@
           <a:p>
             <a:fld id="{31C52531-C0F7-4A3B-9293-860134404F61}" type="slidenum">
               <a:rPr lang="es-CO" smtClean="0"/>
-              <a:t>‹#›</a:t>
+              <a:t>‹Nº›</a:t>
             </a:fld>
             <a:endParaRPr lang="es-CO"/>
           </a:p>
@@ -3520,7 +3543,7 @@
                 </a:solidFill>
               </a:rPr>
               <a:pPr/>
-              <a:t>20/06/2023</a:t>
+              <a:t>17/09/2024</a:t>
             </a:fld>
             <a:endParaRPr lang="es-CO">
               <a:solidFill>
@@ -3581,7 +3604,7 @@
                 </a:solidFill>
               </a:rPr>
               <a:pPr/>
-              <a:t>‹#›</a:t>
+              <a:t>‹Nº›</a:t>
             </a:fld>
             <a:endParaRPr lang="es-CO">
               <a:solidFill>
@@ -3722,7 +3745,7 @@
                 </a:solidFill>
               </a:rPr>
               <a:pPr/>
-              <a:t>20/06/2023</a:t>
+              <a:t>17/09/2024</a:t>
             </a:fld>
             <a:endParaRPr lang="es-CO">
               <a:solidFill>
@@ -3783,7 +3806,7 @@
                 </a:solidFill>
               </a:rPr>
               <a:pPr/>
-              <a:t>‹#›</a:t>
+              <a:t>‹Nº›</a:t>
             </a:fld>
             <a:endParaRPr lang="es-CO">
               <a:solidFill>
@@ -3934,7 +3957,7 @@
                 </a:solidFill>
               </a:rPr>
               <a:pPr/>
-              <a:t>20/06/2023</a:t>
+              <a:t>17/09/2024</a:t>
             </a:fld>
             <a:endParaRPr lang="es-CO">
               <a:solidFill>
@@ -3995,7 +4018,7 @@
                 </a:solidFill>
               </a:rPr>
               <a:pPr/>
-              <a:t>‹#›</a:t>
+              <a:t>‹Nº›</a:t>
             </a:fld>
             <a:endParaRPr lang="es-CO">
               <a:solidFill>
@@ -4205,7 +4228,7 @@
           <a:p>
             <a:fld id="{6B86245D-015E-46AE-96CC-32E8A5E9A1DF}" type="datetimeFigureOut">
               <a:rPr lang="es-CO" smtClean="0"/>
-              <a:t>20/06/2023</a:t>
+              <a:t>17/09/2024</a:t>
             </a:fld>
             <a:endParaRPr lang="es-CO"/>
           </a:p>
@@ -4247,7 +4270,7 @@
           <a:p>
             <a:fld id="{31C52531-C0F7-4A3B-9293-860134404F61}" type="slidenum">
               <a:rPr lang="es-CO" smtClean="0"/>
-              <a:t>‹#›</a:t>
+              <a:t>‹Nº›</a:t>
             </a:fld>
             <a:endParaRPr lang="es-CO"/>
           </a:p>
@@ -4437,7 +4460,7 @@
           <a:p>
             <a:fld id="{6B86245D-015E-46AE-96CC-32E8A5E9A1DF}" type="datetimeFigureOut">
               <a:rPr lang="es-CO" smtClean="0"/>
-              <a:t>20/06/2023</a:t>
+              <a:t>17/09/2024</a:t>
             </a:fld>
             <a:endParaRPr lang="es-CO"/>
           </a:p>
@@ -4479,7 +4502,7 @@
           <a:p>
             <a:fld id="{31C52531-C0F7-4A3B-9293-860134404F61}" type="slidenum">
               <a:rPr lang="es-CO" smtClean="0"/>
-              <a:t>‹#›</a:t>
+              <a:t>‹Nº›</a:t>
             </a:fld>
             <a:endParaRPr lang="es-CO"/>
           </a:p>
@@ -4804,7 +4827,7 @@
           <a:p>
             <a:fld id="{6B86245D-015E-46AE-96CC-32E8A5E9A1DF}" type="datetimeFigureOut">
               <a:rPr lang="es-CO" smtClean="0"/>
-              <a:t>20/06/2023</a:t>
+              <a:t>17/09/2024</a:t>
             </a:fld>
             <a:endParaRPr lang="es-CO"/>
           </a:p>
@@ -4846,7 +4869,7 @@
           <a:p>
             <a:fld id="{31C52531-C0F7-4A3B-9293-860134404F61}" type="slidenum">
               <a:rPr lang="es-CO" smtClean="0"/>
-              <a:t>‹#›</a:t>
+              <a:t>‹Nº›</a:t>
             </a:fld>
             <a:endParaRPr lang="es-CO"/>
           </a:p>
@@ -4922,7 +4945,7 @@
           <a:p>
             <a:fld id="{6B86245D-015E-46AE-96CC-32E8A5E9A1DF}" type="datetimeFigureOut">
               <a:rPr lang="es-CO" smtClean="0"/>
-              <a:t>20/06/2023</a:t>
+              <a:t>17/09/2024</a:t>
             </a:fld>
             <a:endParaRPr lang="es-CO"/>
           </a:p>
@@ -4964,7 +4987,7 @@
           <a:p>
             <a:fld id="{31C52531-C0F7-4A3B-9293-860134404F61}" type="slidenum">
               <a:rPr lang="es-CO" smtClean="0"/>
-              <a:t>‹#›</a:t>
+              <a:t>‹Nº›</a:t>
             </a:fld>
             <a:endParaRPr lang="es-CO"/>
           </a:p>
@@ -5017,7 +5040,7 @@
           <a:p>
             <a:fld id="{6B86245D-015E-46AE-96CC-32E8A5E9A1DF}" type="datetimeFigureOut">
               <a:rPr lang="es-CO" smtClean="0"/>
-              <a:t>20/06/2023</a:t>
+              <a:t>17/09/2024</a:t>
             </a:fld>
             <a:endParaRPr lang="es-CO"/>
           </a:p>
@@ -5059,7 +5082,7 @@
           <a:p>
             <a:fld id="{31C52531-C0F7-4A3B-9293-860134404F61}" type="slidenum">
               <a:rPr lang="es-CO" smtClean="0"/>
-              <a:t>‹#›</a:t>
+              <a:t>‹Nº›</a:t>
             </a:fld>
             <a:endParaRPr lang="es-CO"/>
           </a:p>
@@ -5294,7 +5317,7 @@
           <a:p>
             <a:fld id="{6B86245D-015E-46AE-96CC-32E8A5E9A1DF}" type="datetimeFigureOut">
               <a:rPr lang="es-CO" smtClean="0"/>
-              <a:t>20/06/2023</a:t>
+              <a:t>17/09/2024</a:t>
             </a:fld>
             <a:endParaRPr lang="es-CO"/>
           </a:p>
@@ -5336,7 +5359,7 @@
           <a:p>
             <a:fld id="{31C52531-C0F7-4A3B-9293-860134404F61}" type="slidenum">
               <a:rPr lang="es-CO" smtClean="0"/>
-              <a:t>‹#›</a:t>
+              <a:t>‹Nº›</a:t>
             </a:fld>
             <a:endParaRPr lang="es-CO"/>
           </a:p>
@@ -5551,7 +5574,7 @@
           <a:p>
             <a:fld id="{6B86245D-015E-46AE-96CC-32E8A5E9A1DF}" type="datetimeFigureOut">
               <a:rPr lang="es-CO" smtClean="0"/>
-              <a:t>20/06/2023</a:t>
+              <a:t>17/09/2024</a:t>
             </a:fld>
             <a:endParaRPr lang="es-CO"/>
           </a:p>
@@ -5593,7 +5616,7 @@
           <a:p>
             <a:fld id="{31C52531-C0F7-4A3B-9293-860134404F61}" type="slidenum">
               <a:rPr lang="es-CO" smtClean="0"/>
-              <a:t>‹#›</a:t>
+              <a:t>‹Nº›</a:t>
             </a:fld>
             <a:endParaRPr lang="es-CO"/>
           </a:p>
@@ -5773,7 +5796,7 @@
           <a:p>
             <a:fld id="{6B86245D-015E-46AE-96CC-32E8A5E9A1DF}" type="datetimeFigureOut">
               <a:rPr lang="es-CO" smtClean="0"/>
-              <a:t>20/06/2023</a:t>
+              <a:t>17/09/2024</a:t>
             </a:fld>
             <a:endParaRPr lang="es-CO"/>
           </a:p>
@@ -5851,7 +5874,7 @@
           <a:p>
             <a:fld id="{31C52531-C0F7-4A3B-9293-860134404F61}" type="slidenum">
               <a:rPr lang="es-CO" smtClean="0"/>
-              <a:t>‹#›</a:t>
+              <a:t>‹Nº›</a:t>
             </a:fld>
             <a:endParaRPr lang="es-CO"/>
           </a:p>
@@ -6329,7 +6352,7 @@
                 </a:solidFill>
               </a:rPr>
               <a:pPr/>
-              <a:t>20/06/2023</a:t>
+              <a:t>17/09/2024</a:t>
             </a:fld>
             <a:endParaRPr lang="es-CO">
               <a:solidFill>
@@ -6426,7 +6449,7 @@
                 </a:solidFill>
               </a:rPr>
               <a:pPr/>
-              <a:t>‹#›</a:t>
+              <a:t>‹Nº›</a:t>
             </a:fld>
             <a:endParaRPr lang="es-CO">
               <a:solidFill>
@@ -7215,10 +7238,10 @@
       </p:grpSpPr>
       <p:sp>
         <p:nvSpPr>
-          <p:cNvPr id="2" name="Título 1">
+          <p:cNvPr id="4" name="Título 3">
             <a:extLst>
               <a:ext uri="{FF2B5EF4-FFF2-40B4-BE49-F238E27FC236}">
-                <a16:creationId xmlns:a16="http://schemas.microsoft.com/office/drawing/2014/main" id="{049D308A-29D0-476C-8234-6ABBCEAFF7E2}"/>
+                <a16:creationId xmlns:a16="http://schemas.microsoft.com/office/drawing/2014/main" id="{5282AE90-DC9C-44A0-82F9-0E7FB9717F70}"/>
               </a:ext>
             </a:extLst>
           </p:cNvPr>
@@ -7243,10 +7266,10 @@
       </p:sp>
       <p:sp>
         <p:nvSpPr>
-          <p:cNvPr id="3" name="Marcador de contenido 2">
+          <p:cNvPr id="5" name="Marcador de contenido 4">
             <a:extLst>
               <a:ext uri="{FF2B5EF4-FFF2-40B4-BE49-F238E27FC236}">
-                <a16:creationId xmlns:a16="http://schemas.microsoft.com/office/drawing/2014/main" id="{B0D6C70A-3242-4EAE-BDE3-C9D193650AF9}"/>
+                <a16:creationId xmlns:a16="http://schemas.microsoft.com/office/drawing/2014/main" id="{403D0669-565C-4848-AC44-6324F823CDE5}"/>
               </a:ext>
             </a:extLst>
           </p:cNvPr>
@@ -7254,326 +7277,197 @@
             <a:spLocks noGrp="1"/>
           </p:cNvSpPr>
           <p:nvPr>
-            <p:ph idx="1"/>
+            <p:ph sz="half" idx="1"/>
           </p:nvPr>
         </p:nvSpPr>
         <p:spPr/>
         <p:txBody>
           <a:bodyPr>
-            <a:normAutofit/>
+            <a:normAutofit fontScale="70000" lnSpcReduction="20000"/>
           </a:bodyPr>
           <a:lstStyle/>
           <a:p>
-            <a:r>
-              <a:rPr lang="en-US" dirty="0"/>
-              <a:t>Se </a:t>
-            </a:r>
-            <a:r>
-              <a:rPr lang="en-US" dirty="0" err="1"/>
-              <a:t>tiene</a:t>
-            </a:r>
-            <a:r>
-              <a:rPr lang="en-US" dirty="0"/>
-              <a:t> un </a:t>
-            </a:r>
-            <a:r>
-              <a:rPr lang="en-US" dirty="0" err="1"/>
-              <a:t>archivo</a:t>
-            </a:r>
-            <a:r>
-              <a:rPr lang="en-US" dirty="0"/>
-              <a:t> con </a:t>
-            </a:r>
-            <a:r>
-              <a:rPr lang="en-US" dirty="0" err="1"/>
-              <a:t>los</a:t>
-            </a:r>
-            <a:r>
-              <a:rPr lang="en-US" dirty="0"/>
-              <a:t> </a:t>
-            </a:r>
-            <a:r>
-              <a:rPr lang="en-US" dirty="0" err="1"/>
-              <a:t>datos</a:t>
-            </a:r>
-            <a:r>
-              <a:rPr lang="en-US" dirty="0"/>
-              <a:t> de </a:t>
-            </a:r>
-            <a:r>
-              <a:rPr lang="en-US" dirty="0" err="1"/>
-              <a:t>los</a:t>
-            </a:r>
-            <a:r>
-              <a:rPr lang="en-US" dirty="0"/>
-              <a:t> </a:t>
-            </a:r>
-            <a:r>
-              <a:rPr lang="en-US" dirty="0" err="1"/>
-              <a:t>empleados</a:t>
-            </a:r>
-            <a:r>
-              <a:rPr lang="en-US" dirty="0"/>
-              <a:t> de </a:t>
-            </a:r>
-            <a:r>
-              <a:rPr lang="en-US" dirty="0" err="1"/>
-              <a:t>una</a:t>
-            </a:r>
-            <a:r>
-              <a:rPr lang="en-US" dirty="0"/>
-              <a:t> </a:t>
-            </a:r>
-            <a:r>
-              <a:rPr lang="en-US" dirty="0" err="1"/>
-              <a:t>empresa</a:t>
-            </a:r>
-            <a:r>
-              <a:rPr lang="en-US" dirty="0"/>
-              <a:t>, con la </a:t>
-            </a:r>
-            <a:r>
-              <a:rPr lang="en-US" dirty="0" err="1"/>
-              <a:t>siguiente</a:t>
-            </a:r>
-            <a:r>
-              <a:rPr lang="en-US" dirty="0"/>
-              <a:t> </a:t>
-            </a:r>
-            <a:r>
-              <a:rPr lang="en-US" dirty="0" err="1"/>
-              <a:t>estructura</a:t>
-            </a:r>
-            <a:endParaRPr lang="en-US" dirty="0"/>
+            <a:pPr marL="0" indent="0">
+              <a:buNone/>
+            </a:pPr>
+            <a:r>
+              <a:rPr lang="es-CO" dirty="0"/>
+              <a:t>Se tiene en un archivo (triqui.txt) los resultados de las partidas de triqui de tres jugadores que se enfrentan entre sí. Un ejemplo de las líneas, es el siguiente:</a:t>
+            </a:r>
+          </a:p>
+          <a:p>
+            <a:pPr marL="0" indent="0">
+              <a:buNone/>
+            </a:pPr>
+            <a:r>
+              <a:rPr lang="es-CO" dirty="0"/>
+              <a:t> </a:t>
+            </a:r>
+          </a:p>
+          <a:p>
+            <a:pPr marL="0" indent="0">
+              <a:buNone/>
+            </a:pPr>
+            <a:r>
+              <a:rPr lang="es-CO" dirty="0"/>
+              <a:t>jugador1@X@jugador2@O@XOX@XOO@XXO</a:t>
+            </a:r>
+          </a:p>
+          <a:p>
+            <a:pPr marL="0" indent="0">
+              <a:buNone/>
+            </a:pPr>
+            <a:r>
+              <a:rPr lang="es-CO" dirty="0"/>
+              <a:t> </a:t>
+            </a:r>
+          </a:p>
+          <a:p>
+            <a:pPr marL="0" indent="0">
+              <a:buNone/>
+            </a:pPr>
+            <a:r>
+              <a:rPr lang="es-CO" dirty="0"/>
+              <a:t>Lo cual representa:</a:t>
+            </a:r>
+          </a:p>
+          <a:p>
+            <a:pPr marL="518145" lvl="1" indent="0">
+              <a:buNone/>
+            </a:pPr>
+            <a:r>
+              <a:rPr lang="es-CO" dirty="0"/>
+              <a:t>XOX</a:t>
+            </a:r>
+          </a:p>
+          <a:p>
+            <a:pPr marL="518145" lvl="1" indent="0">
+              <a:buNone/>
+            </a:pPr>
+            <a:r>
+              <a:rPr lang="es-CO" dirty="0"/>
+              <a:t>XOO</a:t>
+            </a:r>
+          </a:p>
+          <a:p>
+            <a:pPr marL="518145" lvl="1" indent="0">
+              <a:buNone/>
+            </a:pPr>
+            <a:r>
+              <a:rPr lang="es-CO" dirty="0"/>
+              <a:t>XXO</a:t>
+            </a:r>
+          </a:p>
+          <a:p>
+            <a:pPr marL="0" indent="0">
+              <a:buNone/>
+            </a:pPr>
+            <a:endParaRPr lang="es-CO" dirty="0"/>
+          </a:p>
+          <a:p>
+            <a:pPr marL="0" indent="0">
+              <a:buNone/>
+            </a:pPr>
+            <a:r>
+              <a:rPr lang="es-CO" dirty="0"/>
+              <a:t>Por lo tanto el jugador1 que tenía la X en ese juego, es el ganador.</a:t>
+            </a:r>
+          </a:p>
+          <a:p>
+            <a:pPr marL="0" indent="0">
+              <a:buNone/>
+            </a:pPr>
+            <a:endParaRPr lang="es-CO" dirty="0"/>
+          </a:p>
+          <a:p>
+            <a:pPr marL="0" indent="0">
+              <a:buNone/>
+            </a:pPr>
+            <a:endParaRPr lang="es-CO" dirty="0"/>
+          </a:p>
+          <a:p>
+            <a:endParaRPr lang="es-CO" dirty="0"/>
+          </a:p>
+        </p:txBody>
+      </p:sp>
+      <p:sp>
+        <p:nvSpPr>
+          <p:cNvPr id="6" name="Marcador de contenido 5">
+            <a:extLst>
+              <a:ext uri="{FF2B5EF4-FFF2-40B4-BE49-F238E27FC236}">
+                <a16:creationId xmlns:a16="http://schemas.microsoft.com/office/drawing/2014/main" id="{897E3183-F113-45C6-A7A1-2AC080EC2586}"/>
+              </a:ext>
+            </a:extLst>
+          </p:cNvPr>
+          <p:cNvSpPr>
+            <a:spLocks noGrp="1"/>
+          </p:cNvSpPr>
+          <p:nvPr>
+            <p:ph sz="half" idx="2"/>
+          </p:nvPr>
+        </p:nvSpPr>
+        <p:spPr/>
+        <p:txBody>
+          <a:bodyPr>
+            <a:normAutofit fontScale="70000" lnSpcReduction="20000"/>
+          </a:bodyPr>
+          <a:lstStyle/>
+          <a:p>
+            <a:pPr marL="0" indent="0">
+              <a:buNone/>
+            </a:pPr>
+            <a:endParaRPr lang="es-CO" dirty="0"/>
+          </a:p>
+          <a:p>
+            <a:r>
+              <a:rPr lang="es-CO" dirty="0"/>
+              <a:t>El algoritmo y el programa en java debe Evaluar cada partida de la siguiente forma:</a:t>
+            </a:r>
+          </a:p>
+          <a:p>
+            <a:endParaRPr lang="es-CO" dirty="0"/>
           </a:p>
           <a:p>
             <a:pPr lvl="1"/>
             <a:r>
-              <a:rPr lang="es-CO" u="sng" dirty="0" err="1"/>
-              <a:t>Nombre@cedula</a:t>
-            </a:r>
-            <a:r>
-              <a:rPr lang="es-CO" u="sng" dirty="0"/>
-              <a:t>@ salario </a:t>
-            </a:r>
-            <a:r>
-              <a:rPr lang="es-CO" u="sng" dirty="0" err="1"/>
-              <a:t>basico</a:t>
-            </a:r>
-            <a:r>
-              <a:rPr lang="es-CO" u="sng" dirty="0"/>
-              <a:t> </a:t>
-            </a:r>
-            <a:r>
-              <a:rPr lang="es-CO" u="sng" dirty="0" err="1"/>
-              <a:t>hora@horas</a:t>
-            </a:r>
-            <a:r>
-              <a:rPr lang="es-CO" u="sng" dirty="0"/>
-              <a:t> </a:t>
-            </a:r>
-            <a:r>
-              <a:rPr lang="es-CO" u="sng" dirty="0" err="1"/>
-              <a:t>trabajadas@horas</a:t>
-            </a:r>
-            <a:r>
-              <a:rPr lang="es-CO" u="sng" dirty="0"/>
-              <a:t> </a:t>
-            </a:r>
-            <a:r>
-              <a:rPr lang="es-CO" u="sng" dirty="0" err="1"/>
-              <a:t>extras@ciudad</a:t>
-            </a:r>
-            <a:r>
-              <a:rPr lang="es-CO" u="sng" dirty="0"/>
-              <a:t> </a:t>
-            </a:r>
-            <a:r>
-              <a:rPr lang="en-US" dirty="0"/>
-              <a:t> </a:t>
+              <a:rPr lang="es-CO" dirty="0"/>
+              <a:t>Saber con cual letra juega cada jugador la partida</a:t>
             </a:r>
           </a:p>
           <a:p>
             <a:pPr lvl="1"/>
             <a:r>
-              <a:rPr lang="en-US" dirty="0" err="1"/>
-              <a:t>Hacer</a:t>
-            </a:r>
-            <a:r>
-              <a:rPr lang="en-US" dirty="0"/>
-              <a:t> un </a:t>
-            </a:r>
-            <a:r>
-              <a:rPr lang="en-US" dirty="0" err="1"/>
-              <a:t>programa</a:t>
-            </a:r>
-            <a:r>
-              <a:rPr lang="en-US" dirty="0"/>
-              <a:t> </a:t>
-            </a:r>
-            <a:r>
-              <a:rPr lang="en-US" dirty="0" err="1"/>
-              <a:t>en</a:t>
-            </a:r>
-            <a:r>
-              <a:rPr lang="en-US" dirty="0"/>
-              <a:t> java que </a:t>
-            </a:r>
-            <a:r>
-              <a:rPr lang="en-US" dirty="0" err="1"/>
-              <a:t>calcule</a:t>
-            </a:r>
-            <a:r>
-              <a:rPr lang="en-US" dirty="0"/>
-              <a:t> el </a:t>
-            </a:r>
-            <a:r>
-              <a:rPr lang="en-US" dirty="0" err="1"/>
-              <a:t>pago</a:t>
-            </a:r>
-            <a:r>
-              <a:rPr lang="en-US" dirty="0"/>
-              <a:t> total de </a:t>
-            </a:r>
-            <a:r>
-              <a:rPr lang="en-US" dirty="0" err="1"/>
-              <a:t>cada</a:t>
-            </a:r>
-            <a:r>
-              <a:rPr lang="en-US" dirty="0"/>
-              <a:t> </a:t>
-            </a:r>
-            <a:r>
-              <a:rPr lang="en-US" dirty="0" err="1"/>
-              <a:t>empleado</a:t>
-            </a:r>
-            <a:r>
-              <a:rPr lang="en-US" dirty="0"/>
-              <a:t> </a:t>
-            </a:r>
-            <a:r>
-              <a:rPr lang="en-US" dirty="0" err="1"/>
-              <a:t>sabiendo</a:t>
-            </a:r>
-            <a:r>
-              <a:rPr lang="en-US" dirty="0"/>
-              <a:t> que las horas extras se les </a:t>
-            </a:r>
-            <a:r>
-              <a:rPr lang="en-US" dirty="0" err="1"/>
-              <a:t>recarga</a:t>
-            </a:r>
-            <a:r>
-              <a:rPr lang="en-US" dirty="0"/>
-              <a:t> un 15% del valor normal de la hora.</a:t>
+              <a:rPr lang="es-CO" dirty="0"/>
+              <a:t>Analizar el resultado final del cuadro para ver donde hay diagonales , verticales u horizontales con la misma letra de cada jugador</a:t>
             </a:r>
           </a:p>
           <a:p>
             <a:pPr lvl="1"/>
             <a:r>
-              <a:rPr lang="en-US" dirty="0"/>
-              <a:t>EL </a:t>
-            </a:r>
-            <a:r>
-              <a:rPr lang="en-US" dirty="0" err="1"/>
-              <a:t>programa</a:t>
-            </a:r>
-            <a:r>
-              <a:rPr lang="en-US" dirty="0"/>
-              <a:t> </a:t>
-            </a:r>
-            <a:r>
-              <a:rPr lang="en-US" dirty="0" err="1"/>
-              <a:t>debe</a:t>
-            </a:r>
-            <a:r>
-              <a:rPr lang="en-US" dirty="0"/>
-              <a:t> </a:t>
-            </a:r>
-            <a:r>
-              <a:rPr lang="en-US" dirty="0" err="1"/>
-              <a:t>imprimir</a:t>
-            </a:r>
-            <a:r>
-              <a:rPr lang="en-US" dirty="0"/>
-              <a:t> la cédula, el </a:t>
-            </a:r>
-            <a:r>
-              <a:rPr lang="en-US" dirty="0" err="1"/>
-              <a:t>nombre</a:t>
-            </a:r>
-            <a:r>
-              <a:rPr lang="en-US" dirty="0"/>
-              <a:t> y el </a:t>
-            </a:r>
-            <a:r>
-              <a:rPr lang="en-US" dirty="0" err="1"/>
-              <a:t>neto</a:t>
-            </a:r>
-            <a:r>
-              <a:rPr lang="en-US" dirty="0"/>
-              <a:t> a </a:t>
-            </a:r>
-            <a:r>
-              <a:rPr lang="en-US" dirty="0" err="1"/>
-              <a:t>pagar</a:t>
-            </a:r>
-            <a:r>
-              <a:rPr lang="en-US" dirty="0"/>
-              <a:t> para </a:t>
-            </a:r>
-            <a:r>
-              <a:rPr lang="en-US" dirty="0" err="1"/>
-              <a:t>cada</a:t>
-            </a:r>
-            <a:r>
-              <a:rPr lang="en-US" dirty="0"/>
-              <a:t> </a:t>
-            </a:r>
-            <a:r>
-              <a:rPr lang="en-US" dirty="0" err="1"/>
-              <a:t>trabajador</a:t>
-            </a:r>
-            <a:endParaRPr lang="en-US" dirty="0"/>
+              <a:rPr lang="es-CO" dirty="0"/>
+              <a:t>Establecer quién ganó cada partida o si quedaron en tablas (nadie ganó)</a:t>
+            </a:r>
           </a:p>
           <a:p>
             <a:pPr lvl="1"/>
             <a:r>
-              <a:rPr lang="en-US" dirty="0" err="1"/>
-              <a:t>Calcule</a:t>
-            </a:r>
-            <a:r>
-              <a:rPr lang="en-US" dirty="0"/>
-              <a:t> el total a </a:t>
-            </a:r>
-            <a:r>
-              <a:rPr lang="en-US" dirty="0" err="1"/>
-              <a:t>pagar</a:t>
-            </a:r>
-            <a:r>
-              <a:rPr lang="en-US" dirty="0"/>
-              <a:t> </a:t>
-            </a:r>
-            <a:r>
-              <a:rPr lang="en-US" dirty="0" err="1"/>
-              <a:t>en</a:t>
-            </a:r>
-            <a:r>
-              <a:rPr lang="en-US" dirty="0"/>
-              <a:t> </a:t>
-            </a:r>
-            <a:r>
-              <a:rPr lang="en-US" dirty="0" err="1"/>
-              <a:t>cada</a:t>
-            </a:r>
-            <a:r>
-              <a:rPr lang="en-US" dirty="0"/>
-              <a:t> ciudad: BOG y MED</a:t>
+              <a:rPr lang="es-CO" dirty="0"/>
+              <a:t>Al ganador apuntarle 2 puntos</a:t>
             </a:r>
           </a:p>
           <a:p>
             <a:pPr lvl="1"/>
-            <a:endParaRPr lang="es-CO" dirty="0"/>
+            <a:r>
+              <a:rPr lang="es-CO" dirty="0"/>
+              <a:t>En tablas, a cada uno 1 punto</a:t>
+            </a:r>
+          </a:p>
+          <a:p>
+            <a:pPr lvl="1"/>
+            <a:r>
+              <a:rPr lang="es-CO" dirty="0"/>
+              <a:t>Establecer quién ganó el torneo o si hay empate</a:t>
+            </a:r>
           </a:p>
           <a:p>
             <a:endParaRPr lang="es-CO" dirty="0"/>
@@ -7583,7 +7477,7 @@
     </p:spTree>
     <p:extLst>
       <p:ext uri="{BB962C8B-B14F-4D97-AF65-F5344CB8AC3E}">
-        <p14:creationId xmlns:p14="http://schemas.microsoft.com/office/powerpoint/2010/main" val="2123160133"/>
+        <p14:creationId xmlns:p14="http://schemas.microsoft.com/office/powerpoint/2010/main" val="1268731310"/>
       </p:ext>
     </p:extLst>
   </p:cSld>
@@ -7612,10 +7506,10 @@
       </p:grpSpPr>
       <p:sp>
         <p:nvSpPr>
-          <p:cNvPr id="4" name="Título 3">
+          <p:cNvPr id="5" name="Título 4">
             <a:extLst>
               <a:ext uri="{FF2B5EF4-FFF2-40B4-BE49-F238E27FC236}">
-                <a16:creationId xmlns:a16="http://schemas.microsoft.com/office/drawing/2014/main" id="{5282AE90-DC9C-44A0-82F9-0E7FB9717F70}"/>
+                <a16:creationId xmlns:a16="http://schemas.microsoft.com/office/drawing/2014/main" id="{AD5C998C-825F-4C53-8024-3C00D1069F61}"/>
               </a:ext>
             </a:extLst>
           </p:cNvPr>
@@ -7640,218 +7534,113 @@
       </p:sp>
       <p:sp>
         <p:nvSpPr>
-          <p:cNvPr id="5" name="Marcador de contenido 4">
+          <p:cNvPr id="6" name="Rectángulo 5">
             <a:extLst>
               <a:ext uri="{FF2B5EF4-FFF2-40B4-BE49-F238E27FC236}">
-                <a16:creationId xmlns:a16="http://schemas.microsoft.com/office/drawing/2014/main" id="{403D0669-565C-4848-AC44-6324F823CDE5}"/>
+                <a16:creationId xmlns:a16="http://schemas.microsoft.com/office/drawing/2014/main" id="{CDA9329F-2E8F-4E2E-AB2F-E999373A0F9B}"/>
               </a:ext>
             </a:extLst>
           </p:cNvPr>
-          <p:cNvSpPr>
-            <a:spLocks noGrp="1"/>
-          </p:cNvSpPr>
-          <p:nvPr>
-            <p:ph sz="half" idx="1"/>
-          </p:nvPr>
-        </p:nvSpPr>
-        <p:spPr/>
-        <p:txBody>
-          <a:bodyPr>
-            <a:normAutofit fontScale="70000" lnSpcReduction="20000"/>
+          <p:cNvSpPr/>
+          <p:nvPr/>
+        </p:nvSpPr>
+        <p:spPr>
+          <a:xfrm>
+            <a:off x="1828800" y="1507710"/>
+            <a:ext cx="10784007" cy="5632311"/>
+          </a:xfrm>
+          <a:prstGeom prst="rect">
+            <a:avLst/>
+          </a:prstGeom>
+        </p:spPr>
+        <p:txBody>
+          <a:bodyPr wrap="square">
+            <a:spAutoFit/>
           </a:bodyPr>
           <a:lstStyle/>
           <a:p>
-            <a:pPr marL="0" indent="0">
-              <a:buNone/>
-            </a:pPr>
-            <a:r>
-              <a:rPr lang="es-CO" dirty="0"/>
-              <a:t>Se tiene en un archivo (triqui.txt) los resultados de las partidas de triqui de tres jugadores que se enfrentan entre sí. Un ejemplo de las líneas, es el siguiente:</a:t>
-            </a:r>
-          </a:p>
-          <a:p>
-            <a:pPr marL="0" indent="0">
-              <a:buNone/>
-            </a:pPr>
-            <a:r>
-              <a:rPr lang="es-CO" dirty="0"/>
-              <a:t> </a:t>
-            </a:r>
-          </a:p>
-          <a:p>
-            <a:pPr marL="0" indent="0">
-              <a:buNone/>
-            </a:pPr>
-            <a:r>
-              <a:rPr lang="es-CO" dirty="0"/>
-              <a:t>jugador1@X@jugador2@O@XOX@XOO@XXO</a:t>
-            </a:r>
-          </a:p>
-          <a:p>
-            <a:pPr marL="0" indent="0">
-              <a:buNone/>
-            </a:pPr>
-            <a:r>
-              <a:rPr lang="es-CO" dirty="0"/>
-              <a:t> </a:t>
-            </a:r>
-          </a:p>
-          <a:p>
-            <a:pPr marL="0" indent="0">
-              <a:buNone/>
-            </a:pPr>
-            <a:r>
-              <a:rPr lang="es-CO" dirty="0"/>
-              <a:t>Lo cual representa:</a:t>
-            </a:r>
-          </a:p>
-          <a:p>
-            <a:pPr marL="518145" lvl="1" indent="0">
-              <a:buNone/>
-            </a:pPr>
-            <a:r>
-              <a:rPr lang="es-CO" dirty="0"/>
-              <a:t>XOX</a:t>
-            </a:r>
-          </a:p>
-          <a:p>
-            <a:pPr marL="518145" lvl="1" indent="0">
-              <a:buNone/>
-            </a:pPr>
-            <a:r>
-              <a:rPr lang="es-CO" dirty="0"/>
-              <a:t>XOO</a:t>
-            </a:r>
-          </a:p>
-          <a:p>
-            <a:pPr marL="518145" lvl="1" indent="0">
-              <a:buNone/>
-            </a:pPr>
-            <a:r>
-              <a:rPr lang="es-CO" dirty="0"/>
-              <a:t>XXO</a:t>
-            </a:r>
-          </a:p>
-          <a:p>
-            <a:pPr marL="0" indent="0">
-              <a:buNone/>
-            </a:pPr>
-            <a:endParaRPr lang="es-CO" dirty="0"/>
-          </a:p>
-          <a:p>
-            <a:pPr marL="0" indent="0">
-              <a:buNone/>
-            </a:pPr>
-            <a:r>
-              <a:rPr lang="es-CO" dirty="0"/>
-              <a:t>Por lo tanto el jugador1 que tenía la X en ese juego, es el ganador.</a:t>
-            </a:r>
-          </a:p>
-          <a:p>
-            <a:pPr marL="0" indent="0">
-              <a:buNone/>
-            </a:pPr>
-            <a:endParaRPr lang="es-CO" dirty="0"/>
-          </a:p>
-          <a:p>
-            <a:pPr marL="0" indent="0">
-              <a:buNone/>
-            </a:pPr>
-            <a:endParaRPr lang="es-CO" dirty="0"/>
-          </a:p>
-          <a:p>
-            <a:endParaRPr lang="es-CO" dirty="0"/>
-          </a:p>
-        </p:txBody>
-      </p:sp>
-      <p:sp>
-        <p:nvSpPr>
-          <p:cNvPr id="6" name="Marcador de contenido 5">
-            <a:extLst>
-              <a:ext uri="{FF2B5EF4-FFF2-40B4-BE49-F238E27FC236}">
-                <a16:creationId xmlns:a16="http://schemas.microsoft.com/office/drawing/2014/main" id="{897E3183-F113-45C6-A7A1-2AC080EC2586}"/>
-              </a:ext>
-            </a:extLst>
-          </p:cNvPr>
-          <p:cNvSpPr>
-            <a:spLocks noGrp="1"/>
-          </p:cNvSpPr>
-          <p:nvPr>
-            <p:ph sz="half" idx="2"/>
-          </p:nvPr>
-        </p:nvSpPr>
-        <p:spPr/>
-        <p:txBody>
-          <a:bodyPr>
-            <a:normAutofit fontScale="70000" lnSpcReduction="20000"/>
-          </a:bodyPr>
-          <a:lstStyle/>
-          <a:p>
-            <a:pPr marL="0" indent="0">
-              <a:buNone/>
-            </a:pPr>
-            <a:endParaRPr lang="es-CO" dirty="0"/>
-          </a:p>
-          <a:p>
-            <a:r>
-              <a:rPr lang="es-CO" dirty="0"/>
-              <a:t>El algoritmo y el programa en java debe Evaluar cada partida de la siguiente forma:</a:t>
-            </a:r>
-          </a:p>
-          <a:p>
-            <a:endParaRPr lang="es-CO" dirty="0"/>
-          </a:p>
-          <a:p>
-            <a:pPr lvl="1"/>
-            <a:r>
-              <a:rPr lang="es-CO" dirty="0"/>
-              <a:t>Saber con cual letra juega cada jugador la partida</a:t>
-            </a:r>
-          </a:p>
-          <a:p>
-            <a:pPr lvl="1"/>
-            <a:r>
-              <a:rPr lang="es-CO" dirty="0"/>
-              <a:t>Analizar el resultado final del cuadro para ver donde hay diagonales , verticales u horizontales con la misma letra de cada jugador</a:t>
-            </a:r>
-          </a:p>
-          <a:p>
-            <a:pPr lvl="1"/>
-            <a:r>
-              <a:rPr lang="es-CO" dirty="0"/>
-              <a:t>Establecer quién ganó cada partida o si quedaron en tablas (nadie ganó)</a:t>
-            </a:r>
-          </a:p>
-          <a:p>
-            <a:pPr lvl="1"/>
-            <a:r>
-              <a:rPr lang="es-CO" dirty="0"/>
-              <a:t>Al ganador apuntarle 2 puntos</a:t>
-            </a:r>
-          </a:p>
-          <a:p>
-            <a:pPr lvl="1"/>
-            <a:r>
-              <a:rPr lang="es-CO" dirty="0"/>
-              <a:t>En tablas, a cada uno 1 punto</a:t>
-            </a:r>
-          </a:p>
-          <a:p>
-            <a:pPr lvl="1"/>
-            <a:r>
-              <a:rPr lang="es-CO" dirty="0"/>
-              <a:t>Establecer quién ganó el torneo o si hay empate</a:t>
-            </a:r>
-          </a:p>
-          <a:p>
-            <a:endParaRPr lang="es-CO" dirty="0"/>
+            <a:r>
+              <a:rPr lang="es-CO" sz="2400" dirty="0"/>
+              <a:t>Se tiene un archivo lotes.txt. Cada línea contiene el resultado de </a:t>
+            </a:r>
+            <a:r>
+              <a:rPr lang="es-CO" sz="2400" dirty="0" err="1"/>
+              <a:t>faricación</a:t>
+            </a:r>
+            <a:r>
+              <a:rPr lang="es-CO" sz="2400" dirty="0"/>
+              <a:t> de 10 productos. </a:t>
+            </a:r>
+          </a:p>
+          <a:p>
+            <a:endParaRPr lang="es-CO" sz="2400" dirty="0"/>
+          </a:p>
+          <a:p>
+            <a:r>
+              <a:rPr lang="es-CO" sz="2400" dirty="0"/>
+              <a:t>Si sale ! producto ok</a:t>
+            </a:r>
+          </a:p>
+          <a:p>
+            <a:r>
+              <a:rPr lang="es-CO" sz="2400" dirty="0"/>
+              <a:t>Si sale # producto defectuoso</a:t>
+            </a:r>
+          </a:p>
+          <a:p>
+            <a:endParaRPr lang="es-CO" sz="2400" dirty="0"/>
+          </a:p>
+          <a:p>
+            <a:r>
+              <a:rPr lang="es-CO" sz="2400" dirty="0"/>
+              <a:t>La línea viene así:</a:t>
+            </a:r>
+          </a:p>
+          <a:p>
+            <a:endParaRPr lang="es-CO" sz="2400" dirty="0"/>
+          </a:p>
+          <a:p>
+            <a:r>
+              <a:rPr lang="es-CO" sz="2400" dirty="0"/>
+              <a:t>Lote1@!@!@!@#@!@!@!@!@#@!</a:t>
+            </a:r>
+          </a:p>
+          <a:p>
+            <a:endParaRPr lang="es-CO" sz="2400" dirty="0"/>
+          </a:p>
+          <a:p>
+            <a:r>
+              <a:rPr lang="es-CO" sz="2400" dirty="0"/>
+              <a:t>Se necesita un algoritmo que haga el análisis de los lotes y arroje:</a:t>
+            </a:r>
+          </a:p>
+          <a:p>
+            <a:endParaRPr lang="es-CO" sz="2400" dirty="0"/>
+          </a:p>
+          <a:p>
+            <a:r>
+              <a:rPr lang="es-CO" sz="2400" dirty="0" err="1"/>
+              <a:t>Nro</a:t>
+            </a:r>
+            <a:r>
+              <a:rPr lang="es-CO" sz="2400" dirty="0"/>
+              <a:t> del lote, cuántos productos buenos, cuántos defectuosos, cual es la posición del producto defectuoso. Para el caso del ejemplo de la línea los defectuosos están en la </a:t>
+            </a:r>
+            <a:r>
+              <a:rPr lang="es-CO" sz="2400" dirty="0" err="1"/>
+              <a:t>posción</a:t>
+            </a:r>
+            <a:r>
+              <a:rPr lang="es-CO" sz="2400" dirty="0"/>
+              <a:t> 4 y 9</a:t>
+            </a:r>
           </a:p>
         </p:txBody>
       </p:sp>
     </p:spTree>
     <p:extLst>
       <p:ext uri="{BB962C8B-B14F-4D97-AF65-F5344CB8AC3E}">
-        <p14:creationId xmlns:p14="http://schemas.microsoft.com/office/powerpoint/2010/main" val="1268731310"/>
+        <p14:creationId xmlns:p14="http://schemas.microsoft.com/office/powerpoint/2010/main" val="4124634186"/>
       </p:ext>
     </p:extLst>
   </p:cSld>
@@ -7880,10 +7669,10 @@
       </p:grpSpPr>
       <p:sp>
         <p:nvSpPr>
-          <p:cNvPr id="5" name="Título 4">
+          <p:cNvPr id="2" name="Título 1">
             <a:extLst>
               <a:ext uri="{FF2B5EF4-FFF2-40B4-BE49-F238E27FC236}">
-                <a16:creationId xmlns:a16="http://schemas.microsoft.com/office/drawing/2014/main" id="{AD5C998C-825F-4C53-8024-3C00D1069F61}"/>
+                <a16:creationId xmlns:a16="http://schemas.microsoft.com/office/drawing/2014/main" id="{049D308A-29D0-476C-8234-6ABBCEAFF7E2}"/>
               </a:ext>
             </a:extLst>
           </p:cNvPr>
@@ -7908,113 +7697,347 @@
       </p:sp>
       <p:sp>
         <p:nvSpPr>
-          <p:cNvPr id="6" name="Rectángulo 5">
+          <p:cNvPr id="3" name="Marcador de contenido 2">
             <a:extLst>
               <a:ext uri="{FF2B5EF4-FFF2-40B4-BE49-F238E27FC236}">
-                <a16:creationId xmlns:a16="http://schemas.microsoft.com/office/drawing/2014/main" id="{CDA9329F-2E8F-4E2E-AB2F-E999373A0F9B}"/>
+                <a16:creationId xmlns:a16="http://schemas.microsoft.com/office/drawing/2014/main" id="{B0D6C70A-3242-4EAE-BDE3-C9D193650AF9}"/>
               </a:ext>
             </a:extLst>
           </p:cNvPr>
-          <p:cNvSpPr/>
-          <p:nvPr/>
-        </p:nvSpPr>
-        <p:spPr>
-          <a:xfrm>
-            <a:off x="1828800" y="1507710"/>
-            <a:ext cx="10784007" cy="5632311"/>
-          </a:xfrm>
-          <a:prstGeom prst="rect">
-            <a:avLst/>
-          </a:prstGeom>
-        </p:spPr>
-        <p:txBody>
-          <a:bodyPr wrap="square">
-            <a:spAutoFit/>
+          <p:cNvSpPr>
+            <a:spLocks noGrp="1"/>
+          </p:cNvSpPr>
+          <p:nvPr>
+            <p:ph idx="1"/>
+          </p:nvPr>
+        </p:nvSpPr>
+        <p:spPr/>
+        <p:txBody>
+          <a:bodyPr>
+            <a:normAutofit/>
           </a:bodyPr>
           <a:lstStyle/>
           <a:p>
             <a:r>
-              <a:rPr lang="es-CO" sz="2400" dirty="0"/>
-              <a:t>Se tiene un archivo lotes.txt. Cada línea contiene el resultado de </a:t>
-            </a:r>
-            <a:r>
-              <a:rPr lang="es-CO" sz="2400" dirty="0" err="1"/>
-              <a:t>faricación</a:t>
-            </a:r>
-            <a:r>
-              <a:rPr lang="es-CO" sz="2400" dirty="0"/>
-              <a:t> de 10 productos. </a:t>
-            </a:r>
-          </a:p>
-          <a:p>
-            <a:endParaRPr lang="es-CO" sz="2400" dirty="0"/>
-          </a:p>
-          <a:p>
-            <a:r>
-              <a:rPr lang="es-CO" sz="2400" dirty="0"/>
-              <a:t>Si sale ! producto ok</a:t>
-            </a:r>
-          </a:p>
-          <a:p>
-            <a:r>
-              <a:rPr lang="es-CO" sz="2400" dirty="0"/>
-              <a:t>Si sale # producto defectuoso</a:t>
-            </a:r>
-          </a:p>
-          <a:p>
-            <a:endParaRPr lang="es-CO" sz="2400" dirty="0"/>
-          </a:p>
-          <a:p>
-            <a:r>
-              <a:rPr lang="es-CO" sz="2400" dirty="0"/>
-              <a:t>La línea viene así:</a:t>
-            </a:r>
-          </a:p>
-          <a:p>
-            <a:endParaRPr lang="es-CO" sz="2400" dirty="0"/>
-          </a:p>
-          <a:p>
-            <a:r>
-              <a:rPr lang="es-CO" sz="2400" dirty="0"/>
-              <a:t>Lote1@!@!@!@#@!@!@!@!@#@!</a:t>
-            </a:r>
-          </a:p>
-          <a:p>
-            <a:endParaRPr lang="es-CO" sz="2400" dirty="0"/>
-          </a:p>
-          <a:p>
-            <a:r>
-              <a:rPr lang="es-CO" sz="2400" dirty="0"/>
-              <a:t>Se necesita un algoritmo que haga el análisis de los lotes y arroje:</a:t>
-            </a:r>
-          </a:p>
-          <a:p>
-            <a:endParaRPr lang="es-CO" sz="2400" dirty="0"/>
-          </a:p>
-          <a:p>
-            <a:r>
-              <a:rPr lang="es-CO" sz="2400" dirty="0" err="1"/>
-              <a:t>Nro</a:t>
-            </a:r>
-            <a:r>
-              <a:rPr lang="es-CO" sz="2400" dirty="0"/>
-              <a:t> del lote, cuántos productos buenos, cuántos defectuosos, cual es la posición del producto defectuoso. Para el caso del ejemplo de la línea los defectuosos están en la </a:t>
-            </a:r>
-            <a:r>
-              <a:rPr lang="es-CO" sz="2400" dirty="0" err="1"/>
-              <a:t>posción</a:t>
-            </a:r>
-            <a:r>
-              <a:rPr lang="es-CO" sz="2400" dirty="0"/>
-              <a:t> 4 y 9</a:t>
-            </a:r>
+              <a:rPr lang="en-US" dirty="0"/>
+              <a:t>Se </a:t>
+            </a:r>
+            <a:r>
+              <a:rPr lang="en-US" dirty="0" err="1"/>
+              <a:t>tiene</a:t>
+            </a:r>
+            <a:r>
+              <a:rPr lang="en-US" dirty="0"/>
+              <a:t> un </a:t>
+            </a:r>
+            <a:r>
+              <a:rPr lang="en-US" dirty="0" err="1"/>
+              <a:t>archivo</a:t>
+            </a:r>
+            <a:r>
+              <a:rPr lang="en-US" dirty="0"/>
+              <a:t> con </a:t>
+            </a:r>
+            <a:r>
+              <a:rPr lang="en-US" dirty="0" err="1"/>
+              <a:t>los</a:t>
+            </a:r>
+            <a:r>
+              <a:rPr lang="en-US" dirty="0"/>
+              <a:t> </a:t>
+            </a:r>
+            <a:r>
+              <a:rPr lang="en-US" dirty="0" err="1"/>
+              <a:t>datos</a:t>
+            </a:r>
+            <a:r>
+              <a:rPr lang="en-US" dirty="0"/>
+              <a:t> de </a:t>
+            </a:r>
+            <a:r>
+              <a:rPr lang="en-US" dirty="0" err="1"/>
+              <a:t>los</a:t>
+            </a:r>
+            <a:r>
+              <a:rPr lang="en-US" dirty="0"/>
+              <a:t> </a:t>
+            </a:r>
+            <a:r>
+              <a:rPr lang="en-US" dirty="0" err="1"/>
+              <a:t>empleados</a:t>
+            </a:r>
+            <a:r>
+              <a:rPr lang="en-US" dirty="0"/>
+              <a:t> de </a:t>
+            </a:r>
+            <a:r>
+              <a:rPr lang="en-US" dirty="0" err="1"/>
+              <a:t>una</a:t>
+            </a:r>
+            <a:r>
+              <a:rPr lang="en-US" dirty="0"/>
+              <a:t> </a:t>
+            </a:r>
+            <a:r>
+              <a:rPr lang="en-US" dirty="0" err="1"/>
+              <a:t>empresa</a:t>
+            </a:r>
+            <a:r>
+              <a:rPr lang="en-US" dirty="0"/>
+              <a:t>, con la </a:t>
+            </a:r>
+            <a:r>
+              <a:rPr lang="en-US" dirty="0" err="1"/>
+              <a:t>siguiente</a:t>
+            </a:r>
+            <a:r>
+              <a:rPr lang="en-US" dirty="0"/>
+              <a:t> </a:t>
+            </a:r>
+            <a:r>
+              <a:rPr lang="en-US" dirty="0" err="1"/>
+              <a:t>estructura</a:t>
+            </a:r>
+            <a:endParaRPr lang="en-US" dirty="0"/>
+          </a:p>
+          <a:p>
+            <a:pPr lvl="1"/>
+            <a:r>
+              <a:rPr lang="es-CO" u="sng" dirty="0" err="1"/>
+              <a:t>Nombre@cedula</a:t>
+            </a:r>
+            <a:r>
+              <a:rPr lang="es-CO" u="sng" dirty="0"/>
+              <a:t>@ salario </a:t>
+            </a:r>
+            <a:r>
+              <a:rPr lang="es-CO" u="sng" dirty="0" err="1"/>
+              <a:t>basico</a:t>
+            </a:r>
+            <a:r>
+              <a:rPr lang="es-CO" u="sng" dirty="0"/>
+              <a:t> </a:t>
+            </a:r>
+            <a:r>
+              <a:rPr lang="es-CO" u="sng" dirty="0" err="1"/>
+              <a:t>hora@horas</a:t>
+            </a:r>
+            <a:r>
+              <a:rPr lang="es-CO" u="sng" dirty="0"/>
+              <a:t> </a:t>
+            </a:r>
+            <a:r>
+              <a:rPr lang="es-CO" u="sng" dirty="0" err="1"/>
+              <a:t>trabajadas@horas</a:t>
+            </a:r>
+            <a:r>
+              <a:rPr lang="es-CO" u="sng" dirty="0"/>
+              <a:t> </a:t>
+            </a:r>
+            <a:r>
+              <a:rPr lang="es-CO" u="sng" dirty="0" err="1"/>
+              <a:t>extras@ciudad</a:t>
+            </a:r>
+            <a:r>
+              <a:rPr lang="es-CO" u="sng" dirty="0"/>
+              <a:t> </a:t>
+            </a:r>
+            <a:r>
+              <a:rPr lang="en-US" dirty="0"/>
+              <a:t> </a:t>
+            </a:r>
+          </a:p>
+          <a:p>
+            <a:pPr lvl="1"/>
+            <a:r>
+              <a:rPr lang="en-US" dirty="0" err="1"/>
+              <a:t>Hacer</a:t>
+            </a:r>
+            <a:r>
+              <a:rPr lang="en-US" dirty="0"/>
+              <a:t> un </a:t>
+            </a:r>
+            <a:r>
+              <a:rPr lang="en-US" dirty="0" err="1"/>
+              <a:t>programa</a:t>
+            </a:r>
+            <a:r>
+              <a:rPr lang="en-US" dirty="0"/>
+              <a:t> </a:t>
+            </a:r>
+            <a:r>
+              <a:rPr lang="en-US" dirty="0" err="1"/>
+              <a:t>en</a:t>
+            </a:r>
+            <a:r>
+              <a:rPr lang="en-US" dirty="0"/>
+              <a:t> java que </a:t>
+            </a:r>
+            <a:r>
+              <a:rPr lang="en-US" dirty="0" err="1"/>
+              <a:t>calcule</a:t>
+            </a:r>
+            <a:r>
+              <a:rPr lang="en-US" dirty="0"/>
+              <a:t> el </a:t>
+            </a:r>
+            <a:r>
+              <a:rPr lang="en-US" dirty="0" err="1"/>
+              <a:t>pago</a:t>
+            </a:r>
+            <a:r>
+              <a:rPr lang="en-US" dirty="0"/>
+              <a:t> total de </a:t>
+            </a:r>
+            <a:r>
+              <a:rPr lang="en-US" dirty="0" err="1"/>
+              <a:t>cada</a:t>
+            </a:r>
+            <a:r>
+              <a:rPr lang="en-US" dirty="0"/>
+              <a:t> </a:t>
+            </a:r>
+            <a:r>
+              <a:rPr lang="en-US" dirty="0" err="1"/>
+              <a:t>empleado</a:t>
+            </a:r>
+            <a:r>
+              <a:rPr lang="en-US" dirty="0"/>
+              <a:t> </a:t>
+            </a:r>
+            <a:r>
+              <a:rPr lang="en-US" dirty="0" err="1"/>
+              <a:t>sabiendo</a:t>
+            </a:r>
+            <a:r>
+              <a:rPr lang="en-US" dirty="0"/>
+              <a:t> que las horas extras se les </a:t>
+            </a:r>
+            <a:r>
+              <a:rPr lang="en-US" dirty="0" err="1"/>
+              <a:t>recarga</a:t>
+            </a:r>
+            <a:r>
+              <a:rPr lang="en-US" dirty="0"/>
+              <a:t> un 15% del valor normal de la hora.</a:t>
+            </a:r>
+          </a:p>
+          <a:p>
+            <a:pPr lvl="1"/>
+            <a:r>
+              <a:rPr lang="en-US" dirty="0"/>
+              <a:t>EL </a:t>
+            </a:r>
+            <a:r>
+              <a:rPr lang="en-US" dirty="0" err="1"/>
+              <a:t>programa</a:t>
+            </a:r>
+            <a:r>
+              <a:rPr lang="en-US" dirty="0"/>
+              <a:t> </a:t>
+            </a:r>
+            <a:r>
+              <a:rPr lang="en-US" dirty="0" err="1"/>
+              <a:t>debe</a:t>
+            </a:r>
+            <a:r>
+              <a:rPr lang="en-US" dirty="0"/>
+              <a:t> </a:t>
+            </a:r>
+            <a:r>
+              <a:rPr lang="en-US" dirty="0" err="1"/>
+              <a:t>imprimir</a:t>
+            </a:r>
+            <a:r>
+              <a:rPr lang="en-US" dirty="0"/>
+              <a:t> la cédula, el </a:t>
+            </a:r>
+            <a:r>
+              <a:rPr lang="en-US" dirty="0" err="1"/>
+              <a:t>nombre</a:t>
+            </a:r>
+            <a:r>
+              <a:rPr lang="en-US" dirty="0"/>
+              <a:t> y el </a:t>
+            </a:r>
+            <a:r>
+              <a:rPr lang="en-US" dirty="0" err="1"/>
+              <a:t>neto</a:t>
+            </a:r>
+            <a:r>
+              <a:rPr lang="en-US" dirty="0"/>
+              <a:t> a </a:t>
+            </a:r>
+            <a:r>
+              <a:rPr lang="en-US" dirty="0" err="1"/>
+              <a:t>pagar</a:t>
+            </a:r>
+            <a:r>
+              <a:rPr lang="en-US" dirty="0"/>
+              <a:t> para </a:t>
+            </a:r>
+            <a:r>
+              <a:rPr lang="en-US" dirty="0" err="1"/>
+              <a:t>cada</a:t>
+            </a:r>
+            <a:r>
+              <a:rPr lang="en-US" dirty="0"/>
+              <a:t> </a:t>
+            </a:r>
+            <a:r>
+              <a:rPr lang="en-US" dirty="0" err="1"/>
+              <a:t>trabajador</a:t>
+            </a:r>
+            <a:endParaRPr lang="en-US" dirty="0"/>
+          </a:p>
+          <a:p>
+            <a:pPr lvl="1"/>
+            <a:r>
+              <a:rPr lang="en-US" dirty="0" err="1"/>
+              <a:t>Calcule</a:t>
+            </a:r>
+            <a:r>
+              <a:rPr lang="en-US" dirty="0"/>
+              <a:t> el total a </a:t>
+            </a:r>
+            <a:r>
+              <a:rPr lang="en-US" dirty="0" err="1"/>
+              <a:t>pagar</a:t>
+            </a:r>
+            <a:r>
+              <a:rPr lang="en-US" dirty="0"/>
+              <a:t> </a:t>
+            </a:r>
+            <a:r>
+              <a:rPr lang="en-US" dirty="0" err="1"/>
+              <a:t>en</a:t>
+            </a:r>
+            <a:r>
+              <a:rPr lang="en-US" dirty="0"/>
+              <a:t> </a:t>
+            </a:r>
+            <a:r>
+              <a:rPr lang="en-US" dirty="0" err="1"/>
+              <a:t>cada</a:t>
+            </a:r>
+            <a:r>
+              <a:rPr lang="en-US" dirty="0"/>
+              <a:t> ciudad: BOG y MED</a:t>
+            </a:r>
+          </a:p>
+          <a:p>
+            <a:pPr lvl="1"/>
+            <a:endParaRPr lang="es-CO" dirty="0"/>
+          </a:p>
+          <a:p>
+            <a:endParaRPr lang="es-CO" dirty="0"/>
           </a:p>
         </p:txBody>
       </p:sp>
     </p:spTree>
     <p:extLst>
       <p:ext uri="{BB962C8B-B14F-4D97-AF65-F5344CB8AC3E}">
-        <p14:creationId xmlns:p14="http://schemas.microsoft.com/office/powerpoint/2010/main" val="4124634186"/>
+        <p14:creationId xmlns:p14="http://schemas.microsoft.com/office/powerpoint/2010/main" val="2123160133"/>
       </p:ext>
     </p:extLst>
   </p:cSld>
@@ -8242,10 +8265,7 @@
           </a:p>
           <a:p>
             <a:pPr algn="r"/>
-            <a:r>
-              <a:rPr lang="es-CO" dirty="0"/>
-              <a:t>2018</a:t>
-            </a:r>
+            <a:endParaRPr lang="es-CO" dirty="0"/>
           </a:p>
         </p:txBody>
       </p:sp>
